--- a/Report.pptx
+++ b/Report.pptx
@@ -261,7 +261,7 @@
           <a:p>
             <a:fld id="{96E9B245-2076-40CB-ACDE-D58775C98695}" type="datetimeFigureOut">
               <a:rPr lang="ko-KR" altLang="en-US" smtClean="0"/>
-              <a:t>2020-11-22</a:t>
+              <a:t>2020-11-26</a:t>
             </a:fld>
             <a:endParaRPr lang="ko-KR" altLang="en-US"/>
           </a:p>
@@ -459,7 +459,7 @@
           <a:p>
             <a:fld id="{96E9B245-2076-40CB-ACDE-D58775C98695}" type="datetimeFigureOut">
               <a:rPr lang="ko-KR" altLang="en-US" smtClean="0"/>
-              <a:t>2020-11-22</a:t>
+              <a:t>2020-11-26</a:t>
             </a:fld>
             <a:endParaRPr lang="ko-KR" altLang="en-US"/>
           </a:p>
@@ -667,7 +667,7 @@
           <a:p>
             <a:fld id="{96E9B245-2076-40CB-ACDE-D58775C98695}" type="datetimeFigureOut">
               <a:rPr lang="ko-KR" altLang="en-US" smtClean="0"/>
-              <a:t>2020-11-22</a:t>
+              <a:t>2020-11-26</a:t>
             </a:fld>
             <a:endParaRPr lang="ko-KR" altLang="en-US"/>
           </a:p>
@@ -865,7 +865,7 @@
           <a:p>
             <a:fld id="{96E9B245-2076-40CB-ACDE-D58775C98695}" type="datetimeFigureOut">
               <a:rPr lang="ko-KR" altLang="en-US" smtClean="0"/>
-              <a:t>2020-11-22</a:t>
+              <a:t>2020-11-26</a:t>
             </a:fld>
             <a:endParaRPr lang="ko-KR" altLang="en-US"/>
           </a:p>
@@ -1140,7 +1140,7 @@
           <a:p>
             <a:fld id="{96E9B245-2076-40CB-ACDE-D58775C98695}" type="datetimeFigureOut">
               <a:rPr lang="ko-KR" altLang="en-US" smtClean="0"/>
-              <a:t>2020-11-22</a:t>
+              <a:t>2020-11-26</a:t>
             </a:fld>
             <a:endParaRPr lang="ko-KR" altLang="en-US"/>
           </a:p>
@@ -1405,7 +1405,7 @@
           <a:p>
             <a:fld id="{96E9B245-2076-40CB-ACDE-D58775C98695}" type="datetimeFigureOut">
               <a:rPr lang="ko-KR" altLang="en-US" smtClean="0"/>
-              <a:t>2020-11-22</a:t>
+              <a:t>2020-11-26</a:t>
             </a:fld>
             <a:endParaRPr lang="ko-KR" altLang="en-US"/>
           </a:p>
@@ -1817,7 +1817,7 @@
           <a:p>
             <a:fld id="{96E9B245-2076-40CB-ACDE-D58775C98695}" type="datetimeFigureOut">
               <a:rPr lang="ko-KR" altLang="en-US" smtClean="0"/>
-              <a:t>2020-11-22</a:t>
+              <a:t>2020-11-26</a:t>
             </a:fld>
             <a:endParaRPr lang="ko-KR" altLang="en-US"/>
           </a:p>
@@ -1958,7 +1958,7 @@
           <a:p>
             <a:fld id="{96E9B245-2076-40CB-ACDE-D58775C98695}" type="datetimeFigureOut">
               <a:rPr lang="ko-KR" altLang="en-US" smtClean="0"/>
-              <a:t>2020-11-22</a:t>
+              <a:t>2020-11-26</a:t>
             </a:fld>
             <a:endParaRPr lang="ko-KR" altLang="en-US"/>
           </a:p>
@@ -2071,7 +2071,7 @@
           <a:p>
             <a:fld id="{96E9B245-2076-40CB-ACDE-D58775C98695}" type="datetimeFigureOut">
               <a:rPr lang="ko-KR" altLang="en-US" smtClean="0"/>
-              <a:t>2020-11-22</a:t>
+              <a:t>2020-11-26</a:t>
             </a:fld>
             <a:endParaRPr lang="ko-KR" altLang="en-US"/>
           </a:p>
@@ -2382,7 +2382,7 @@
           <a:p>
             <a:fld id="{96E9B245-2076-40CB-ACDE-D58775C98695}" type="datetimeFigureOut">
               <a:rPr lang="ko-KR" altLang="en-US" smtClean="0"/>
-              <a:t>2020-11-22</a:t>
+              <a:t>2020-11-26</a:t>
             </a:fld>
             <a:endParaRPr lang="ko-KR" altLang="en-US"/>
           </a:p>
@@ -2670,7 +2670,7 @@
           <a:p>
             <a:fld id="{96E9B245-2076-40CB-ACDE-D58775C98695}" type="datetimeFigureOut">
               <a:rPr lang="ko-KR" altLang="en-US" smtClean="0"/>
-              <a:t>2020-11-22</a:t>
+              <a:t>2020-11-26</a:t>
             </a:fld>
             <a:endParaRPr lang="ko-KR" altLang="en-US"/>
           </a:p>
@@ -2911,7 +2911,7 @@
           <a:p>
             <a:fld id="{96E9B245-2076-40CB-ACDE-D58775C98695}" type="datetimeFigureOut">
               <a:rPr lang="ko-KR" altLang="en-US" smtClean="0"/>
-              <a:t>2020-11-22</a:t>
+              <a:t>2020-11-26</a:t>
             </a:fld>
             <a:endParaRPr lang="ko-KR" altLang="en-US"/>
           </a:p>
@@ -3511,14 +3511,17 @@
               </a:rPr>
               <a:t> </a:t>
             </a:r>
-            <a:endParaRPr lang="ko-KR" altLang="en-US" dirty="0">
-              <a:solidFill>
-                <a:schemeClr val="tx1">
-                  <a:lumMod val="85000"/>
-                  <a:lumOff val="15000"/>
-                </a:schemeClr>
-              </a:solidFill>
-            </a:endParaRPr>
+            <a:r>
+              <a:rPr lang="ko-KR" altLang="en-US" dirty="0">
+                <a:solidFill>
+                  <a:schemeClr val="tx1">
+                    <a:lumMod val="85000"/>
+                    <a:lumOff val="15000"/>
+                  </a:schemeClr>
+                </a:solidFill>
+              </a:rPr>
+              <a:t>한지수</a:t>
+            </a:r>
           </a:p>
         </p:txBody>
       </p:sp>
@@ -4503,34 +4506,10 @@
           <a:p>
             <a:r>
               <a:rPr lang="ko-KR" altLang="en-US" sz="1600" dirty="0">
-                <a:solidFill>
-                  <a:schemeClr val="bg2">
-                    <a:lumMod val="90000"/>
-                  </a:schemeClr>
-                </a:solidFill>
-                <a:latin typeface="+mn-ea"/>
-              </a:rPr>
-              <a:t>여기에 아이디어를 자유롭게 작성해보세요</a:t>
-            </a:r>
-            <a:r>
-              <a:rPr lang="en-US" altLang="ko-KR" sz="1600" dirty="0">
-                <a:solidFill>
-                  <a:schemeClr val="bg2">
-                    <a:lumMod val="90000"/>
-                  </a:schemeClr>
-                </a:solidFill>
-                <a:latin typeface="+mn-ea"/>
-              </a:rPr>
-              <a:t>.</a:t>
-            </a:r>
-            <a:endParaRPr lang="ko-KR" altLang="en-US" sz="1600" dirty="0">
-              <a:solidFill>
-                <a:schemeClr val="bg2">
-                  <a:lumMod val="90000"/>
-                </a:schemeClr>
-              </a:solidFill>
-              <a:latin typeface="+mn-ea"/>
-            </a:endParaRPr>
+                <a:latin typeface="+mn-ea"/>
+              </a:rPr>
+              <a:t>인식한 물체가 무엇인지 알려주고 어디에 사용하는 물건인지 알려주기</a:t>
+            </a:r>
           </a:p>
         </p:txBody>
       </p:sp>
@@ -4644,7 +4623,7 @@
         <p:spPr>
           <a:xfrm>
             <a:off x="376335" y="1077942"/>
-            <a:ext cx="11439332" cy="1077218"/>
+            <a:ext cx="11439332" cy="1323439"/>
           </a:xfrm>
           <a:prstGeom prst="rect">
             <a:avLst/>
@@ -4704,6 +4683,30 @@
                 <a:latin typeface="+mn-ea"/>
               </a:rPr>
             </a:br>
+            <a:r>
+              <a:rPr lang="en-US" altLang="ko-KR" sz="1600" dirty="0">
+                <a:solidFill>
+                  <a:schemeClr val="tx1">
+                    <a:lumMod val="85000"/>
+                    <a:lumOff val="15000"/>
+                  </a:schemeClr>
+                </a:solidFill>
+                <a:latin typeface="+mn-ea"/>
+              </a:rPr>
+              <a:t>   </a:t>
+            </a:r>
+            <a:r>
+              <a:rPr lang="ko-KR" altLang="en-US" sz="1600" dirty="0" err="1">
+                <a:solidFill>
+                  <a:schemeClr val="tx1">
+                    <a:lumMod val="85000"/>
+                    <a:lumOff val="15000"/>
+                  </a:schemeClr>
+                </a:solidFill>
+                <a:latin typeface="+mn-ea"/>
+              </a:rPr>
+              <a:t>인테라</a:t>
+            </a:r>
             <a:br>
               <a:rPr lang="en-US" altLang="ko-KR" sz="1600" dirty="0">
                 <a:solidFill>
@@ -4715,7 +4718,7 @@
                 <a:latin typeface="+mn-ea"/>
               </a:rPr>
             </a:br>
-            <a:br>
+            <a:r>
               <a:rPr lang="en-US" altLang="ko-KR" sz="1600" dirty="0">
                 <a:solidFill>
                   <a:schemeClr val="tx1">
@@ -4725,7 +4728,20 @@
                 </a:solidFill>
                 <a:latin typeface="+mn-ea"/>
               </a:rPr>
-            </a:br>
+              <a:t>2. </a:t>
+            </a:r>
+            <a:r>
+              <a:rPr lang="ko-KR" altLang="en-US" sz="1600" dirty="0">
+                <a:solidFill>
+                  <a:schemeClr val="tx1">
+                    <a:lumMod val="85000"/>
+                    <a:lumOff val="15000"/>
+                  </a:schemeClr>
+                </a:solidFill>
+                <a:latin typeface="+mn-ea"/>
+              </a:rPr>
+              <a:t>생성한 모델에 대해서 설명하세요</a:t>
+            </a:r>
             <a:r>
               <a:rPr lang="en-US" altLang="ko-KR" sz="1600" dirty="0">
                 <a:solidFill>
@@ -4736,8 +4752,10 @@
                 </a:solidFill>
                 <a:latin typeface="+mn-ea"/>
               </a:rPr>
-              <a:t>2. </a:t>
-            </a:r>
+              <a:t>.</a:t>
+            </a:r>
+          </a:p>
+          <a:p>
             <a:r>
               <a:rPr lang="ko-KR" altLang="en-US" sz="1600" dirty="0">
                 <a:solidFill>
@@ -4748,7 +4766,31 @@
                 </a:solidFill>
                 <a:latin typeface="+mn-ea"/>
               </a:rPr>
-              <a:t>생성한 모델에 대해서 설명하세요</a:t>
+              <a:t>물체를 인식하여 물체가 무엇인지 다양한 언어로 알려주고 이 물체가 무엇을 할 때 사용하고 어떻게 사용하는 것인지 알       </a:t>
+            </a:r>
+            <a:r>
+              <a:rPr lang="ko-KR" altLang="en-US" sz="1600" dirty="0" err="1">
+                <a:solidFill>
+                  <a:schemeClr val="tx1">
+                    <a:lumMod val="85000"/>
+                    <a:lumOff val="15000"/>
+                  </a:schemeClr>
+                </a:solidFill>
+                <a:latin typeface="+mn-ea"/>
+              </a:rPr>
+              <a:t>려주는</a:t>
+            </a:r>
+            <a:r>
+              <a:rPr lang="ko-KR" altLang="en-US" sz="1600" dirty="0">
+                <a:solidFill>
+                  <a:schemeClr val="tx1">
+                    <a:lumMod val="85000"/>
+                    <a:lumOff val="15000"/>
+                  </a:schemeClr>
+                </a:solidFill>
+                <a:latin typeface="+mn-ea"/>
+              </a:rPr>
+              <a:t> 웹 애플리케이션이다</a:t>
             </a:r>
             <a:r>
               <a:rPr lang="en-US" altLang="ko-KR" sz="1600" dirty="0">

--- a/Report.pptx
+++ b/Report.pptx
@@ -261,7 +261,7 @@
           <a:p>
             <a:fld id="{96E9B245-2076-40CB-ACDE-D58775C98695}" type="datetimeFigureOut">
               <a:rPr lang="ko-KR" altLang="en-US" smtClean="0"/>
-              <a:t>2020-11-26</a:t>
+              <a:t>2020-11-27</a:t>
             </a:fld>
             <a:endParaRPr lang="ko-KR" altLang="en-US"/>
           </a:p>
@@ -459,7 +459,7 @@
           <a:p>
             <a:fld id="{96E9B245-2076-40CB-ACDE-D58775C98695}" type="datetimeFigureOut">
               <a:rPr lang="ko-KR" altLang="en-US" smtClean="0"/>
-              <a:t>2020-11-26</a:t>
+              <a:t>2020-11-27</a:t>
             </a:fld>
             <a:endParaRPr lang="ko-KR" altLang="en-US"/>
           </a:p>
@@ -667,7 +667,7 @@
           <a:p>
             <a:fld id="{96E9B245-2076-40CB-ACDE-D58775C98695}" type="datetimeFigureOut">
               <a:rPr lang="ko-KR" altLang="en-US" smtClean="0"/>
-              <a:t>2020-11-26</a:t>
+              <a:t>2020-11-27</a:t>
             </a:fld>
             <a:endParaRPr lang="ko-KR" altLang="en-US"/>
           </a:p>
@@ -865,7 +865,7 @@
           <a:p>
             <a:fld id="{96E9B245-2076-40CB-ACDE-D58775C98695}" type="datetimeFigureOut">
               <a:rPr lang="ko-KR" altLang="en-US" smtClean="0"/>
-              <a:t>2020-11-26</a:t>
+              <a:t>2020-11-27</a:t>
             </a:fld>
             <a:endParaRPr lang="ko-KR" altLang="en-US"/>
           </a:p>
@@ -1140,7 +1140,7 @@
           <a:p>
             <a:fld id="{96E9B245-2076-40CB-ACDE-D58775C98695}" type="datetimeFigureOut">
               <a:rPr lang="ko-KR" altLang="en-US" smtClean="0"/>
-              <a:t>2020-11-26</a:t>
+              <a:t>2020-11-27</a:t>
             </a:fld>
             <a:endParaRPr lang="ko-KR" altLang="en-US"/>
           </a:p>
@@ -1405,7 +1405,7 @@
           <a:p>
             <a:fld id="{96E9B245-2076-40CB-ACDE-D58775C98695}" type="datetimeFigureOut">
               <a:rPr lang="ko-KR" altLang="en-US" smtClean="0"/>
-              <a:t>2020-11-26</a:t>
+              <a:t>2020-11-27</a:t>
             </a:fld>
             <a:endParaRPr lang="ko-KR" altLang="en-US"/>
           </a:p>
@@ -1817,7 +1817,7 @@
           <a:p>
             <a:fld id="{96E9B245-2076-40CB-ACDE-D58775C98695}" type="datetimeFigureOut">
               <a:rPr lang="ko-KR" altLang="en-US" smtClean="0"/>
-              <a:t>2020-11-26</a:t>
+              <a:t>2020-11-27</a:t>
             </a:fld>
             <a:endParaRPr lang="ko-KR" altLang="en-US"/>
           </a:p>
@@ -1958,7 +1958,7 @@
           <a:p>
             <a:fld id="{96E9B245-2076-40CB-ACDE-D58775C98695}" type="datetimeFigureOut">
               <a:rPr lang="ko-KR" altLang="en-US" smtClean="0"/>
-              <a:t>2020-11-26</a:t>
+              <a:t>2020-11-27</a:t>
             </a:fld>
             <a:endParaRPr lang="ko-KR" altLang="en-US"/>
           </a:p>
@@ -2071,7 +2071,7 @@
           <a:p>
             <a:fld id="{96E9B245-2076-40CB-ACDE-D58775C98695}" type="datetimeFigureOut">
               <a:rPr lang="ko-KR" altLang="en-US" smtClean="0"/>
-              <a:t>2020-11-26</a:t>
+              <a:t>2020-11-27</a:t>
             </a:fld>
             <a:endParaRPr lang="ko-KR" altLang="en-US"/>
           </a:p>
@@ -2382,7 +2382,7 @@
           <a:p>
             <a:fld id="{96E9B245-2076-40CB-ACDE-D58775C98695}" type="datetimeFigureOut">
               <a:rPr lang="ko-KR" altLang="en-US" smtClean="0"/>
-              <a:t>2020-11-26</a:t>
+              <a:t>2020-11-27</a:t>
             </a:fld>
             <a:endParaRPr lang="ko-KR" altLang="en-US"/>
           </a:p>
@@ -2670,7 +2670,7 @@
           <a:p>
             <a:fld id="{96E9B245-2076-40CB-ACDE-D58775C98695}" type="datetimeFigureOut">
               <a:rPr lang="ko-KR" altLang="en-US" smtClean="0"/>
-              <a:t>2020-11-26</a:t>
+              <a:t>2020-11-27</a:t>
             </a:fld>
             <a:endParaRPr lang="ko-KR" altLang="en-US"/>
           </a:p>
@@ -2911,7 +2911,7 @@
           <a:p>
             <a:fld id="{96E9B245-2076-40CB-ACDE-D58775C98695}" type="datetimeFigureOut">
               <a:rPr lang="ko-KR" altLang="en-US" smtClean="0"/>
-              <a:t>2020-11-26</a:t>
+              <a:t>2020-11-27</a:t>
             </a:fld>
             <a:endParaRPr lang="ko-KR" altLang="en-US"/>
           </a:p>
@@ -5013,7 +5013,61 @@
                 </a:solidFill>
                 <a:latin typeface="+mn-ea"/>
               </a:rPr>
-              <a:t>: https://</a:t>
+              <a:t>:</a:t>
+            </a:r>
+            <a:endParaRPr lang="ko-KR" altLang="en-US" sz="2000" dirty="0">
+              <a:solidFill>
+                <a:schemeClr val="tx1">
+                  <a:lumMod val="85000"/>
+                  <a:lumOff val="15000"/>
+                </a:schemeClr>
+              </a:solidFill>
+              <a:latin typeface="+mn-ea"/>
+            </a:endParaRPr>
+          </a:p>
+        </p:txBody>
+      </p:sp>
+      <p:sp>
+        <p:nvSpPr>
+          <p:cNvPr id="11" name="TextBox 10">
+            <a:extLst>
+              <a:ext uri="{FF2B5EF4-FFF2-40B4-BE49-F238E27FC236}">
+                <a16:creationId xmlns:a16="http://schemas.microsoft.com/office/drawing/2014/main" id="{EF5E6159-27ED-4CFC-A812-4076C7A51B70}"/>
+              </a:ext>
+            </a:extLst>
+          </p:cNvPr>
+          <p:cNvSpPr txBox="1"/>
+          <p:nvPr/>
+        </p:nvSpPr>
+        <p:spPr>
+          <a:xfrm>
+            <a:off x="2960128" y="5771137"/>
+            <a:ext cx="11439332" cy="369332"/>
+          </a:xfrm>
+          <a:prstGeom prst="rect">
+            <a:avLst/>
+          </a:prstGeom>
+          <a:noFill/>
+        </p:spPr>
+        <p:txBody>
+          <a:bodyPr wrap="square" rtlCol="0">
+            <a:spAutoFit/>
+          </a:bodyPr>
+          <a:lstStyle/>
+          <a:p>
+            <a:r>
+              <a:rPr lang="en-US" altLang="ko-KR"/>
+              <a:t> </a:t>
+            </a:r>
+            <a:r>
+              <a:rPr lang="en-US" altLang="ko-KR">
+                <a:hlinkClick r:id="rId2"/>
+              </a:rPr>
+              <a:t>https://hanjisoo801.github.io/template/</a:t>
+            </a:r>
+            <a:r>
+              <a:rPr lang="en-US" altLang="ko-KR"/>
+              <a:t>.</a:t>
             </a:r>
             <a:endParaRPr lang="ko-KR" altLang="en-US" sz="2000" dirty="0">
               <a:solidFill>
